--- a/AzovRansomeware.ppt.pptx
+++ b/AzovRansomeware.ppt.pptx
@@ -5,18 +5,20 @@
     <p:sldMasterId id="2147483648" r:id="rId1"/>
   </p:sldMasterIdLst>
   <p:notesMasterIdLst>
-    <p:notesMasterId r:id="rId11"/>
+    <p:notesMasterId r:id="rId13"/>
   </p:notesMasterIdLst>
   <p:sldIdLst>
-    <p:sldId id="256" r:id="rId2"/>
-    <p:sldId id="786" r:id="rId3"/>
-    <p:sldId id="1042" r:id="rId4"/>
-    <p:sldId id="1097" r:id="rId5"/>
-    <p:sldId id="1101" r:id="rId6"/>
-    <p:sldId id="1102" r:id="rId7"/>
-    <p:sldId id="1099" r:id="rId8"/>
-    <p:sldId id="1100" r:id="rId9"/>
-    <p:sldId id="1098" r:id="rId10"/>
+    <p:sldId id="786" r:id="rId2"/>
+    <p:sldId id="1042" r:id="rId3"/>
+    <p:sldId id="1097" r:id="rId4"/>
+    <p:sldId id="1101" r:id="rId5"/>
+    <p:sldId id="1099" r:id="rId6"/>
+    <p:sldId id="1104" r:id="rId7"/>
+    <p:sldId id="1105" r:id="rId8"/>
+    <p:sldId id="1102" r:id="rId9"/>
+    <p:sldId id="1103" r:id="rId10"/>
+    <p:sldId id="1100" r:id="rId11"/>
+    <p:sldId id="1098" r:id="rId12"/>
   </p:sldIdLst>
   <p:sldSz cx="12192000" cy="6858000"/>
   <p:notesSz cx="6858000" cy="9144000"/>
@@ -205,7 +207,7 @@
           <a:p>
             <a:fld id="{3AF94861-D07F-40BA-8052-D7592B2F4FF9}" type="datetimeFigureOut">
               <a:rPr lang="en-US" smtClean="0"/>
-              <a:t>12/27/2022</a:t>
+              <a:t>1/2/2023</a:t>
             </a:fld>
             <a:endParaRPr lang="en-US"/>
           </a:p>
@@ -565,7 +567,7 @@
               <a:pPr>
                 <a:defRPr/>
               </a:pPr>
-              <a:t>3</a:t>
+              <a:t>2</a:t>
             </a:fld>
             <a:endParaRPr lang="en-US" altLang="en-US" dirty="0"/>
           </a:p>
@@ -878,7 +880,7 @@
               <a:pPr>
                 <a:defRPr/>
               </a:pPr>
-              <a:t>4</a:t>
+              <a:t>3</a:t>
             </a:fld>
             <a:endParaRPr lang="en-US" altLang="en-US" dirty="0"/>
           </a:p>
@@ -888,6 +890,90 @@
     <p:extLst>
       <p:ext uri="{BB962C8B-B14F-4D97-AF65-F5344CB8AC3E}">
         <p14:creationId xmlns:p14="http://schemas.microsoft.com/office/powerpoint/2010/main" val="1704400604"/>
+      </p:ext>
+    </p:extLst>
+  </p:cSld>
+  <p:clrMapOvr>
+    <a:masterClrMapping/>
+  </p:clrMapOvr>
+</p:notes>
+</file>
+
+<file path=ppt/notesSlides/notesSlide3.xml><?xml version="1.0" encoding="utf-8"?>
+<p:notes xmlns:a="http://schemas.openxmlformats.org/drawingml/2006/main" xmlns:r="http://schemas.openxmlformats.org/officeDocument/2006/relationships" xmlns:p="http://schemas.openxmlformats.org/presentationml/2006/main">
+  <p:cSld>
+    <p:spTree>
+      <p:nvGrpSpPr>
+        <p:cNvPr id="1" name=""/>
+        <p:cNvGrpSpPr/>
+        <p:nvPr/>
+      </p:nvGrpSpPr>
+      <p:grpSpPr>
+        <a:xfrm>
+          <a:off x="0" y="0"/>
+          <a:ext cx="0" cy="0"/>
+          <a:chOff x="0" y="0"/>
+          <a:chExt cx="0" cy="0"/>
+        </a:xfrm>
+      </p:grpSpPr>
+      <p:sp>
+        <p:nvSpPr>
+          <p:cNvPr id="2" name="Slide Image Placeholder 1"/>
+          <p:cNvSpPr>
+            <a:spLocks noGrp="1" noRot="1" noChangeAspect="1"/>
+          </p:cNvSpPr>
+          <p:nvPr>
+            <p:ph type="sldImg"/>
+          </p:nvPr>
+        </p:nvSpPr>
+        <p:spPr/>
+      </p:sp>
+      <p:sp>
+        <p:nvSpPr>
+          <p:cNvPr id="3" name="Notes Placeholder 2"/>
+          <p:cNvSpPr>
+            <a:spLocks noGrp="1"/>
+          </p:cNvSpPr>
+          <p:nvPr>
+            <p:ph type="body" idx="1"/>
+          </p:nvPr>
+        </p:nvSpPr>
+        <p:spPr/>
+        <p:txBody>
+          <a:bodyPr/>
+          <a:lstStyle/>
+          <a:p>
+            <a:endParaRPr lang="en-IN" dirty="0"/>
+          </a:p>
+        </p:txBody>
+      </p:sp>
+      <p:sp>
+        <p:nvSpPr>
+          <p:cNvPr id="4" name="Slide Number Placeholder 3"/>
+          <p:cNvSpPr>
+            <a:spLocks noGrp="1"/>
+          </p:cNvSpPr>
+          <p:nvPr>
+            <p:ph type="sldNum" sz="quarter" idx="5"/>
+          </p:nvPr>
+        </p:nvSpPr>
+        <p:spPr/>
+        <p:txBody>
+          <a:bodyPr/>
+          <a:lstStyle/>
+          <a:p>
+            <a:fld id="{6F9A0B56-D105-4156-9730-5520D7B8FE66}" type="slidenum">
+              <a:rPr lang="en-US" smtClean="0"/>
+              <a:t>8</a:t>
+            </a:fld>
+            <a:endParaRPr lang="en-US"/>
+          </a:p>
+        </p:txBody>
+      </p:sp>
+    </p:spTree>
+    <p:extLst>
+      <p:ext uri="{BB962C8B-B14F-4D97-AF65-F5344CB8AC3E}">
+        <p14:creationId xmlns:p14="http://schemas.microsoft.com/office/powerpoint/2010/main" val="52420841"/>
       </p:ext>
     </p:extLst>
   </p:cSld>
@@ -1044,7 +1130,7 @@
           <a:p>
             <a:fld id="{B83AD73E-969E-460B-9B57-7116C5730177}" type="datetimeFigureOut">
               <a:rPr lang="en-US" smtClean="0"/>
-              <a:t>12/27/2022</a:t>
+              <a:t>1/2/2023</a:t>
             </a:fld>
             <a:endParaRPr lang="en-US"/>
           </a:p>
@@ -1242,7 +1328,7 @@
           <a:p>
             <a:fld id="{B83AD73E-969E-460B-9B57-7116C5730177}" type="datetimeFigureOut">
               <a:rPr lang="en-US" smtClean="0"/>
-              <a:t>12/27/2022</a:t>
+              <a:t>1/2/2023</a:t>
             </a:fld>
             <a:endParaRPr lang="en-US"/>
           </a:p>
@@ -1450,7 +1536,7 @@
           <a:p>
             <a:fld id="{B83AD73E-969E-460B-9B57-7116C5730177}" type="datetimeFigureOut">
               <a:rPr lang="en-US" smtClean="0"/>
-              <a:t>12/27/2022</a:t>
+              <a:t>1/2/2023</a:t>
             </a:fld>
             <a:endParaRPr lang="en-US"/>
           </a:p>
@@ -2229,7 +2315,7 @@
           <a:p>
             <a:fld id="{B83AD73E-969E-460B-9B57-7116C5730177}" type="datetimeFigureOut">
               <a:rPr lang="en-US" smtClean="0"/>
-              <a:t>12/27/2022</a:t>
+              <a:t>1/2/2023</a:t>
             </a:fld>
             <a:endParaRPr lang="en-US"/>
           </a:p>
@@ -2504,7 +2590,7 @@
           <a:p>
             <a:fld id="{B83AD73E-969E-460B-9B57-7116C5730177}" type="datetimeFigureOut">
               <a:rPr lang="en-US" smtClean="0"/>
-              <a:t>12/27/2022</a:t>
+              <a:t>1/2/2023</a:t>
             </a:fld>
             <a:endParaRPr lang="en-US"/>
           </a:p>
@@ -2769,7 +2855,7 @@
           <a:p>
             <a:fld id="{B83AD73E-969E-460B-9B57-7116C5730177}" type="datetimeFigureOut">
               <a:rPr lang="en-US" smtClean="0"/>
-              <a:t>12/27/2022</a:t>
+              <a:t>1/2/2023</a:t>
             </a:fld>
             <a:endParaRPr lang="en-US"/>
           </a:p>
@@ -3181,7 +3267,7 @@
           <a:p>
             <a:fld id="{B83AD73E-969E-460B-9B57-7116C5730177}" type="datetimeFigureOut">
               <a:rPr lang="en-US" smtClean="0"/>
-              <a:t>12/27/2022</a:t>
+              <a:t>1/2/2023</a:t>
             </a:fld>
             <a:endParaRPr lang="en-US"/>
           </a:p>
@@ -3322,7 +3408,7 @@
           <a:p>
             <a:fld id="{B83AD73E-969E-460B-9B57-7116C5730177}" type="datetimeFigureOut">
               <a:rPr lang="en-US" smtClean="0"/>
-              <a:t>12/27/2022</a:t>
+              <a:t>1/2/2023</a:t>
             </a:fld>
             <a:endParaRPr lang="en-US"/>
           </a:p>
@@ -3435,7 +3521,7 @@
           <a:p>
             <a:fld id="{B83AD73E-969E-460B-9B57-7116C5730177}" type="datetimeFigureOut">
               <a:rPr lang="en-US" smtClean="0"/>
-              <a:t>12/27/2022</a:t>
+              <a:t>1/2/2023</a:t>
             </a:fld>
             <a:endParaRPr lang="en-US"/>
           </a:p>
@@ -3746,7 +3832,7 @@
           <a:p>
             <a:fld id="{B83AD73E-969E-460B-9B57-7116C5730177}" type="datetimeFigureOut">
               <a:rPr lang="en-US" smtClean="0"/>
-              <a:t>12/27/2022</a:t>
+              <a:t>1/2/2023</a:t>
             </a:fld>
             <a:endParaRPr lang="en-US"/>
           </a:p>
@@ -4034,7 +4120,7 @@
           <a:p>
             <a:fld id="{B83AD73E-969E-460B-9B57-7116C5730177}" type="datetimeFigureOut">
               <a:rPr lang="en-US" smtClean="0"/>
-              <a:t>12/27/2022</a:t>
+              <a:t>1/2/2023</a:t>
             </a:fld>
             <a:endParaRPr lang="en-US"/>
           </a:p>
@@ -4275,7 +4361,7 @@
           <a:p>
             <a:fld id="{B83AD73E-969E-460B-9B57-7116C5730177}" type="datetimeFigureOut">
               <a:rPr lang="en-US" smtClean="0"/>
-              <a:t>12/27/2022</a:t>
+              <a:t>1/2/2023</a:t>
             </a:fld>
             <a:endParaRPr lang="en-US"/>
           </a:p>
@@ -4699,86 +4785,6 @@
           <p:cNvPr id="2" name="Title 1">
             <a:extLst>
               <a:ext uri="{FF2B5EF4-FFF2-40B4-BE49-F238E27FC236}">
-                <a16:creationId xmlns:a16="http://schemas.microsoft.com/office/drawing/2014/main" id="{3084B532-4F77-4E21-81AE-68DB0D9E9B5D}"/>
-              </a:ext>
-            </a:extLst>
-          </p:cNvPr>
-          <p:cNvSpPr>
-            <a:spLocks noGrp="1"/>
-          </p:cNvSpPr>
-          <p:nvPr>
-            <p:ph type="ctrTitle"/>
-          </p:nvPr>
-        </p:nvSpPr>
-        <p:spPr/>
-        <p:txBody>
-          <a:bodyPr/>
-          <a:lstStyle/>
-          <a:p>
-            <a:endParaRPr lang="en-US"/>
-          </a:p>
-        </p:txBody>
-      </p:sp>
-      <p:sp>
-        <p:nvSpPr>
-          <p:cNvPr id="3" name="Subtitle 2">
-            <a:extLst>
-              <a:ext uri="{FF2B5EF4-FFF2-40B4-BE49-F238E27FC236}">
-                <a16:creationId xmlns:a16="http://schemas.microsoft.com/office/drawing/2014/main" id="{F62C42A3-E587-4187-BD53-81ECEDC10ED6}"/>
-              </a:ext>
-            </a:extLst>
-          </p:cNvPr>
-          <p:cNvSpPr>
-            <a:spLocks noGrp="1"/>
-          </p:cNvSpPr>
-          <p:nvPr>
-            <p:ph type="subTitle" idx="1"/>
-          </p:nvPr>
-        </p:nvSpPr>
-        <p:spPr/>
-        <p:txBody>
-          <a:bodyPr/>
-          <a:lstStyle/>
-          <a:p>
-            <a:endParaRPr lang="en-US"/>
-          </a:p>
-        </p:txBody>
-      </p:sp>
-    </p:spTree>
-    <p:extLst>
-      <p:ext uri="{BB962C8B-B14F-4D97-AF65-F5344CB8AC3E}">
-        <p14:creationId xmlns:p14="http://schemas.microsoft.com/office/powerpoint/2010/main" val="1162407353"/>
-      </p:ext>
-    </p:extLst>
-  </p:cSld>
-  <p:clrMapOvr>
-    <a:masterClrMapping/>
-  </p:clrMapOvr>
-</p:sld>
-</file>
-
-<file path=ppt/slides/slide2.xml><?xml version="1.0" encoding="utf-8"?>
-<p:sld xmlns:a="http://schemas.openxmlformats.org/drawingml/2006/main" xmlns:r="http://schemas.openxmlformats.org/officeDocument/2006/relationships" xmlns:p="http://schemas.openxmlformats.org/presentationml/2006/main">
-  <p:cSld>
-    <p:spTree>
-      <p:nvGrpSpPr>
-        <p:cNvPr id="1" name=""/>
-        <p:cNvGrpSpPr/>
-        <p:nvPr/>
-      </p:nvGrpSpPr>
-      <p:grpSpPr>
-        <a:xfrm>
-          <a:off x="0" y="0"/>
-          <a:ext cx="0" cy="0"/>
-          <a:chOff x="0" y="0"/>
-          <a:chExt cx="0" cy="0"/>
-        </a:xfrm>
-      </p:grpSpPr>
-      <p:sp>
-        <p:nvSpPr>
-          <p:cNvPr id="2" name="Title 1">
-            <a:extLst>
-              <a:ext uri="{FF2B5EF4-FFF2-40B4-BE49-F238E27FC236}">
                 <a16:creationId xmlns:a16="http://schemas.microsoft.com/office/drawing/2014/main" id="{F6EEAF9E-BC8B-3047-B73F-D461A76C63E8}"/>
               </a:ext>
             </a:extLst>
@@ -4828,7 +4834,7 @@
 </p:sld>
 </file>
 
-<file path=ppt/slides/slide3.xml><?xml version="1.0" encoding="utf-8"?>
+<file path=ppt/slides/slide10.xml><?xml version="1.0" encoding="utf-8"?>
 <p:sld xmlns:a="http://schemas.openxmlformats.org/drawingml/2006/main" xmlns:r="http://schemas.openxmlformats.org/officeDocument/2006/relationships" xmlns:p="http://schemas.openxmlformats.org/presentationml/2006/main">
   <p:cSld>
     <p:spTree>
@@ -4850,740 +4856,6 @@
           <p:cNvPr id="2" name="Title 1">
             <a:extLst>
               <a:ext uri="{FF2B5EF4-FFF2-40B4-BE49-F238E27FC236}">
-                <a16:creationId xmlns:a16="http://schemas.microsoft.com/office/drawing/2014/main" id="{A0B7947D-5C0C-7E4F-A1E7-FB2CB209B4E8}"/>
-              </a:ext>
-            </a:extLst>
-          </p:cNvPr>
-          <p:cNvSpPr>
-            <a:spLocks noGrp="1"/>
-          </p:cNvSpPr>
-          <p:nvPr>
-            <p:ph type="title"/>
-          </p:nvPr>
-        </p:nvSpPr>
-        <p:spPr/>
-        <p:txBody>
-          <a:bodyPr>
-            <a:normAutofit fontScale="90000"/>
-          </a:bodyPr>
-          <a:lstStyle/>
-          <a:p>
-            <a:pPr algn="l"/>
-            <a:r>
-              <a:rPr lang="en-US" sz="4400" b="1" i="0" dirty="0">
-                <a:solidFill>
-                  <a:srgbClr val="C00000"/>
-                </a:solidFill>
-                <a:effectLst/>
-                <a:latin typeface="dinot"/>
-              </a:rPr>
-              <a:t>Technical Analysis: Highlights</a:t>
-            </a:r>
-          </a:p>
-        </p:txBody>
-      </p:sp>
-      <p:sp>
-        <p:nvSpPr>
-          <p:cNvPr id="3" name="Content Placeholder 2">
-            <a:extLst>
-              <a:ext uri="{FF2B5EF4-FFF2-40B4-BE49-F238E27FC236}">
-                <a16:creationId xmlns:a16="http://schemas.microsoft.com/office/drawing/2014/main" id="{B5A51607-F801-C745-9FA7-D45F2043C66D}"/>
-              </a:ext>
-            </a:extLst>
-          </p:cNvPr>
-          <p:cNvSpPr>
-            <a:spLocks noGrp="1"/>
-          </p:cNvSpPr>
-          <p:nvPr>
-            <p:ph sz="half" idx="2"/>
-          </p:nvPr>
-        </p:nvSpPr>
-        <p:spPr/>
-        <p:txBody>
-          <a:bodyPr>
-            <a:normAutofit/>
-          </a:bodyPr>
-          <a:lstStyle/>
-          <a:p>
-            <a:pPr algn="l">
-              <a:buFont typeface="Arial" panose="020B0604020202020204" pitchFamily="34" charset="0"/>
-              <a:buChar char="•"/>
-            </a:pPr>
-            <a:r>
-              <a:rPr lang="en-US" sz="1800" b="0" i="0" dirty="0">
-                <a:effectLst/>
-                <a:latin typeface="dinot"/>
-              </a:rPr>
-              <a:t>Manually crafted in assembly using FASM</a:t>
-            </a:r>
-          </a:p>
-          <a:p>
-            <a:pPr algn="l">
-              <a:buFont typeface="Arial" panose="020B0604020202020204" pitchFamily="34" charset="0"/>
-              <a:buChar char="•"/>
-            </a:pPr>
-            <a:r>
-              <a:rPr lang="en-US" sz="1800" b="0" i="0" dirty="0">
-                <a:effectLst/>
-                <a:latin typeface="dinot"/>
-              </a:rPr>
-              <a:t>Using anti-analysis and code obfuscation techniques</a:t>
-            </a:r>
-          </a:p>
-          <a:p>
-            <a:pPr algn="l">
-              <a:buFont typeface="Arial" panose="020B0604020202020204" pitchFamily="34" charset="0"/>
-              <a:buChar char="•"/>
-            </a:pPr>
-            <a:r>
-              <a:rPr lang="en-US" sz="1800" b="0" i="0" dirty="0">
-                <a:effectLst/>
-                <a:latin typeface="dinot"/>
-              </a:rPr>
-              <a:t>Multi-threaded intermittent overwriting (looping 666 bytes) of original data content</a:t>
-            </a:r>
-          </a:p>
-          <a:p>
-            <a:pPr algn="l">
-              <a:buFont typeface="Arial" panose="020B0604020202020204" pitchFamily="34" charset="0"/>
-              <a:buChar char="•"/>
-            </a:pPr>
-            <a:r>
-              <a:rPr lang="en-US" sz="1800" b="0" i="0" dirty="0">
-                <a:effectLst/>
-                <a:latin typeface="dinot"/>
-              </a:rPr>
-              <a:t>Polymorphic way of backdooring 64-bit “.exe” files across the compromised system</a:t>
-            </a:r>
-          </a:p>
-          <a:p>
-            <a:pPr algn="l">
-              <a:buFont typeface="Arial" panose="020B0604020202020204" pitchFamily="34" charset="0"/>
-              <a:buChar char="•"/>
-            </a:pPr>
-            <a:r>
-              <a:rPr lang="en-US" sz="1800" b="0" i="0" dirty="0">
-                <a:effectLst/>
-                <a:latin typeface="dinot"/>
-              </a:rPr>
-              <a:t>“logic bomb” set to detonate at a certain time. The sample analyzed below was set to detonate at 10-27-2022 10:14:30 AM UTC</a:t>
-            </a:r>
-          </a:p>
-          <a:p>
-            <a:pPr algn="l">
-              <a:buFont typeface="Arial" panose="020B0604020202020204" pitchFamily="34" charset="0"/>
-              <a:buChar char="•"/>
-            </a:pPr>
-            <a:r>
-              <a:rPr lang="en-US" sz="1800" b="0" i="0" dirty="0">
-                <a:effectLst/>
-                <a:latin typeface="dinot"/>
-              </a:rPr>
-              <a:t>No network activity and no data exfiltration</a:t>
-            </a:r>
-          </a:p>
-          <a:p>
-            <a:pPr algn="l">
-              <a:buFont typeface="Arial" panose="020B0604020202020204" pitchFamily="34" charset="0"/>
-              <a:buChar char="•"/>
-            </a:pPr>
-            <a:r>
-              <a:rPr lang="en-US" sz="1800" b="0" i="0" dirty="0">
-                <a:effectLst/>
-                <a:latin typeface="dinot"/>
-              </a:rPr>
-              <a:t>Using the </a:t>
-            </a:r>
-            <a:r>
-              <a:rPr lang="en-US" sz="1800" b="0" i="0" dirty="0" err="1">
-                <a:effectLst/>
-                <a:latin typeface="dinot"/>
-              </a:rPr>
-              <a:t>SmokeLoader</a:t>
-            </a:r>
-            <a:r>
-              <a:rPr lang="en-US" sz="1800" b="0" i="0" dirty="0">
-                <a:effectLst/>
-                <a:latin typeface="dinot"/>
-              </a:rPr>
-              <a:t> botnet and </a:t>
-            </a:r>
-            <a:r>
-              <a:rPr lang="en-US" sz="1800" b="0" i="0" dirty="0" err="1">
-                <a:effectLst/>
-                <a:latin typeface="dinot"/>
-              </a:rPr>
-              <a:t>trojanized</a:t>
-            </a:r>
-            <a:r>
-              <a:rPr lang="en-US" sz="1800" b="0" i="0" dirty="0">
-                <a:effectLst/>
-                <a:latin typeface="dinot"/>
-              </a:rPr>
-              <a:t> programs to spread</a:t>
-            </a:r>
-          </a:p>
-          <a:p>
-            <a:pPr algn="l">
-              <a:buFont typeface="Arial" panose="020B0604020202020204" pitchFamily="34" charset="0"/>
-              <a:buChar char="•"/>
-            </a:pPr>
-            <a:r>
-              <a:rPr lang="en-US" sz="1800" b="0" i="0" dirty="0">
-                <a:effectLst/>
-                <a:latin typeface="dinot"/>
-              </a:rPr>
-              <a:t>Effective, fast, and unfortunately unrecoverable data wiper</a:t>
-            </a:r>
-          </a:p>
-        </p:txBody>
-      </p:sp>
-      <p:sp>
-        <p:nvSpPr>
-          <p:cNvPr id="4" name="Slide Number Placeholder 3">
-            <a:extLst>
-              <a:ext uri="{FF2B5EF4-FFF2-40B4-BE49-F238E27FC236}">
-                <a16:creationId xmlns:a16="http://schemas.microsoft.com/office/drawing/2014/main" id="{40CDA9B0-D0BF-C94B-97EE-100A7BB58A23}"/>
-              </a:ext>
-            </a:extLst>
-          </p:cNvPr>
-          <p:cNvSpPr>
-            <a:spLocks noGrp="1"/>
-          </p:cNvSpPr>
-          <p:nvPr>
-            <p:ph type="sldNum" sz="quarter" idx="10"/>
-          </p:nvPr>
-        </p:nvSpPr>
-        <p:spPr/>
-        <p:txBody>
-          <a:bodyPr/>
-          <a:lstStyle/>
-          <a:p>
-            <a:pPr>
-              <a:defRPr/>
-            </a:pPr>
-            <a:fld id="{EF611178-6C3A-F247-8731-699DBDA96700}" type="slidenum">
-              <a:rPr lang="en-US" altLang="en-US" smtClean="0"/>
-              <a:pPr>
-                <a:defRPr/>
-              </a:pPr>
-              <a:t>3</a:t>
-            </a:fld>
-            <a:endParaRPr lang="en-US" altLang="en-US" dirty="0"/>
-          </a:p>
-        </p:txBody>
-      </p:sp>
-    </p:spTree>
-    <p:extLst>
-      <p:ext uri="{BB962C8B-B14F-4D97-AF65-F5344CB8AC3E}">
-        <p14:creationId xmlns:p14="http://schemas.microsoft.com/office/powerpoint/2010/main" val="1680610738"/>
-      </p:ext>
-    </p:extLst>
-  </p:cSld>
-  <p:clrMapOvr>
-    <a:masterClrMapping/>
-  </p:clrMapOvr>
-</p:sld>
-</file>
-
-<file path=ppt/slides/slide4.xml><?xml version="1.0" encoding="utf-8"?>
-<p:sld xmlns:a="http://schemas.openxmlformats.org/drawingml/2006/main" xmlns:r="http://schemas.openxmlformats.org/officeDocument/2006/relationships" xmlns:p="http://schemas.openxmlformats.org/presentationml/2006/main">
-  <p:cSld>
-    <p:spTree>
-      <p:nvGrpSpPr>
-        <p:cNvPr id="1" name=""/>
-        <p:cNvGrpSpPr/>
-        <p:nvPr/>
-      </p:nvGrpSpPr>
-      <p:grpSpPr>
-        <a:xfrm>
-          <a:off x="0" y="0"/>
-          <a:ext cx="0" cy="0"/>
-          <a:chOff x="0" y="0"/>
-          <a:chExt cx="0" cy="0"/>
-        </a:xfrm>
-      </p:grpSpPr>
-      <p:sp>
-        <p:nvSpPr>
-          <p:cNvPr id="2" name="Title 1">
-            <a:extLst>
-              <a:ext uri="{FF2B5EF4-FFF2-40B4-BE49-F238E27FC236}">
-                <a16:creationId xmlns:a16="http://schemas.microsoft.com/office/drawing/2014/main" id="{B236CFC7-E457-4E69-8A1C-69C731FB21D6}"/>
-              </a:ext>
-            </a:extLst>
-          </p:cNvPr>
-          <p:cNvSpPr>
-            <a:spLocks noGrp="1"/>
-          </p:cNvSpPr>
-          <p:nvPr>
-            <p:ph type="title"/>
-          </p:nvPr>
-        </p:nvSpPr>
-        <p:spPr>
-          <a:xfrm>
-            <a:off x="699052" y="320675"/>
-            <a:ext cx="10515600" cy="1325563"/>
-          </a:xfrm>
-        </p:spPr>
-        <p:txBody>
-          <a:bodyPr/>
-          <a:lstStyle/>
-          <a:p>
-            <a:r>
-              <a:rPr lang="en-US" dirty="0"/>
-              <a:t>Found in wild</a:t>
-            </a:r>
-          </a:p>
-        </p:txBody>
-      </p:sp>
-      <p:pic>
-        <p:nvPicPr>
-          <p:cNvPr id="6" name="Content Placeholder 5">
-            <a:extLst>
-              <a:ext uri="{FF2B5EF4-FFF2-40B4-BE49-F238E27FC236}">
-                <a16:creationId xmlns:a16="http://schemas.microsoft.com/office/drawing/2014/main" id="{6186DD09-3F1F-443C-9C73-620BA3C0ACC6}"/>
-              </a:ext>
-            </a:extLst>
-          </p:cNvPr>
-          <p:cNvPicPr>
-            <a:picLocks noGrp="1" noChangeAspect="1"/>
-          </p:cNvPicPr>
-          <p:nvPr>
-            <p:ph idx="1"/>
-          </p:nvPr>
-        </p:nvPicPr>
-        <p:blipFill>
-          <a:blip r:embed="rId3"/>
-          <a:stretch>
-            <a:fillRect/>
-          </a:stretch>
-        </p:blipFill>
-        <p:spPr>
-          <a:xfrm>
-            <a:off x="977348" y="1569935"/>
-            <a:ext cx="8243664" cy="4862719"/>
-          </a:xfrm>
-        </p:spPr>
-      </p:pic>
-      <p:sp>
-        <p:nvSpPr>
-          <p:cNvPr id="4" name="Slide Number Placeholder 3">
-            <a:extLst>
-              <a:ext uri="{FF2B5EF4-FFF2-40B4-BE49-F238E27FC236}">
-                <a16:creationId xmlns:a16="http://schemas.microsoft.com/office/drawing/2014/main" id="{B4EF4643-449F-4E6F-B022-B9A16308C5BA}"/>
-              </a:ext>
-            </a:extLst>
-          </p:cNvPr>
-          <p:cNvSpPr>
-            <a:spLocks noGrp="1"/>
-          </p:cNvSpPr>
-          <p:nvPr>
-            <p:ph type="sldNum" sz="quarter" idx="10"/>
-          </p:nvPr>
-        </p:nvSpPr>
-        <p:spPr/>
-        <p:txBody>
-          <a:bodyPr/>
-          <a:lstStyle/>
-          <a:p>
-            <a:pPr>
-              <a:defRPr/>
-            </a:pPr>
-            <a:fld id="{EF611178-6C3A-F247-8731-699DBDA96700}" type="slidenum">
-              <a:rPr lang="en-US" altLang="en-US" smtClean="0"/>
-              <a:pPr>
-                <a:defRPr/>
-              </a:pPr>
-              <a:t>4</a:t>
-            </a:fld>
-            <a:endParaRPr lang="en-US" altLang="en-US" dirty="0"/>
-          </a:p>
-        </p:txBody>
-      </p:sp>
-    </p:spTree>
-    <p:extLst>
-      <p:ext uri="{BB962C8B-B14F-4D97-AF65-F5344CB8AC3E}">
-        <p14:creationId xmlns:p14="http://schemas.microsoft.com/office/powerpoint/2010/main" val="1630630124"/>
-      </p:ext>
-    </p:extLst>
-  </p:cSld>
-  <p:clrMapOvr>
-    <a:masterClrMapping/>
-  </p:clrMapOvr>
-</p:sld>
-</file>
-
-<file path=ppt/slides/slide5.xml><?xml version="1.0" encoding="utf-8"?>
-<p:sld xmlns:a="http://schemas.openxmlformats.org/drawingml/2006/main" xmlns:r="http://schemas.openxmlformats.org/officeDocument/2006/relationships" xmlns:p="http://schemas.openxmlformats.org/presentationml/2006/main">
-  <p:cSld>
-    <p:spTree>
-      <p:nvGrpSpPr>
-        <p:cNvPr id="1" name=""/>
-        <p:cNvGrpSpPr/>
-        <p:nvPr/>
-      </p:nvGrpSpPr>
-      <p:grpSpPr>
-        <a:xfrm>
-          <a:off x="0" y="0"/>
-          <a:ext cx="0" cy="0"/>
-          <a:chOff x="0" y="0"/>
-          <a:chExt cx="0" cy="0"/>
-        </a:xfrm>
-      </p:grpSpPr>
-      <p:sp>
-        <p:nvSpPr>
-          <p:cNvPr id="2" name="Title 1">
-            <a:extLst>
-              <a:ext uri="{FF2B5EF4-FFF2-40B4-BE49-F238E27FC236}">
-                <a16:creationId xmlns:a16="http://schemas.microsoft.com/office/drawing/2014/main" id="{8887C344-EA09-4FCF-AFE3-6597E160B4A1}"/>
-              </a:ext>
-            </a:extLst>
-          </p:cNvPr>
-          <p:cNvSpPr>
-            <a:spLocks noGrp="1"/>
-          </p:cNvSpPr>
-          <p:nvPr>
-            <p:ph type="title"/>
-          </p:nvPr>
-        </p:nvSpPr>
-        <p:spPr/>
-        <p:txBody>
-          <a:bodyPr/>
-          <a:lstStyle/>
-          <a:p>
-            <a:r>
-              <a:rPr lang="en-US" dirty="0"/>
-              <a:t>Unique Sample</a:t>
-            </a:r>
-          </a:p>
-        </p:txBody>
-      </p:sp>
-      <p:pic>
-        <p:nvPicPr>
-          <p:cNvPr id="5" name="Content Placeholder 4">
-            <a:extLst>
-              <a:ext uri="{FF2B5EF4-FFF2-40B4-BE49-F238E27FC236}">
-                <a16:creationId xmlns:a16="http://schemas.microsoft.com/office/drawing/2014/main" id="{CC8A6E96-0384-4288-971B-DF59B393D994}"/>
-              </a:ext>
-            </a:extLst>
-          </p:cNvPr>
-          <p:cNvPicPr>
-            <a:picLocks noGrp="1" noChangeAspect="1"/>
-          </p:cNvPicPr>
-          <p:nvPr>
-            <p:ph idx="1"/>
-          </p:nvPr>
-        </p:nvPicPr>
-        <p:blipFill>
-          <a:blip r:embed="rId2"/>
-          <a:stretch>
-            <a:fillRect/>
-          </a:stretch>
-        </p:blipFill>
-        <p:spPr>
-          <a:xfrm>
-            <a:off x="187965" y="1368425"/>
-            <a:ext cx="7402873" cy="3225346"/>
-          </a:xfrm>
-        </p:spPr>
-      </p:pic>
-      <p:pic>
-        <p:nvPicPr>
-          <p:cNvPr id="7" name="Picture 6">
-            <a:extLst>
-              <a:ext uri="{FF2B5EF4-FFF2-40B4-BE49-F238E27FC236}">
-                <a16:creationId xmlns:a16="http://schemas.microsoft.com/office/drawing/2014/main" id="{3F14194D-CFB0-4B1D-98C8-E0F0532052BF}"/>
-              </a:ext>
-            </a:extLst>
-          </p:cNvPr>
-          <p:cNvPicPr>
-            <a:picLocks noChangeAspect="1"/>
-          </p:cNvPicPr>
-          <p:nvPr/>
-        </p:nvPicPr>
-        <p:blipFill>
-          <a:blip r:embed="rId3"/>
-          <a:stretch>
-            <a:fillRect/>
-          </a:stretch>
-        </p:blipFill>
-        <p:spPr>
-          <a:xfrm>
-            <a:off x="4103914" y="2900988"/>
-            <a:ext cx="6379029" cy="3756766"/>
-          </a:xfrm>
-          <a:prstGeom prst="rect">
-            <a:avLst/>
-          </a:prstGeom>
-        </p:spPr>
-      </p:pic>
-    </p:spTree>
-    <p:extLst>
-      <p:ext uri="{BB962C8B-B14F-4D97-AF65-F5344CB8AC3E}">
-        <p14:creationId xmlns:p14="http://schemas.microsoft.com/office/powerpoint/2010/main" val="3938335759"/>
-      </p:ext>
-    </p:extLst>
-  </p:cSld>
-  <p:clrMapOvr>
-    <a:masterClrMapping/>
-  </p:clrMapOvr>
-</p:sld>
-</file>
-
-<file path=ppt/slides/slide6.xml><?xml version="1.0" encoding="utf-8"?>
-<p:sld xmlns:a="http://schemas.openxmlformats.org/drawingml/2006/main" xmlns:r="http://schemas.openxmlformats.org/officeDocument/2006/relationships" xmlns:p="http://schemas.openxmlformats.org/presentationml/2006/main">
-  <p:cSld>
-    <p:spTree>
-      <p:nvGrpSpPr>
-        <p:cNvPr id="1" name=""/>
-        <p:cNvGrpSpPr/>
-        <p:nvPr/>
-      </p:nvGrpSpPr>
-      <p:grpSpPr>
-        <a:xfrm>
-          <a:off x="0" y="0"/>
-          <a:ext cx="0" cy="0"/>
-          <a:chOff x="0" y="0"/>
-          <a:chExt cx="0" cy="0"/>
-        </a:xfrm>
-      </p:grpSpPr>
-      <p:sp>
-        <p:nvSpPr>
-          <p:cNvPr id="2" name="Title 1">
-            <a:extLst>
-              <a:ext uri="{FF2B5EF4-FFF2-40B4-BE49-F238E27FC236}">
-                <a16:creationId xmlns:a16="http://schemas.microsoft.com/office/drawing/2014/main" id="{AA02BC4B-0F33-4DFF-85B8-3B004C503388}"/>
-              </a:ext>
-            </a:extLst>
-          </p:cNvPr>
-          <p:cNvSpPr>
-            <a:spLocks noGrp="1"/>
-          </p:cNvSpPr>
-          <p:nvPr>
-            <p:ph type="title"/>
-          </p:nvPr>
-        </p:nvSpPr>
-        <p:spPr/>
-        <p:txBody>
-          <a:bodyPr/>
-          <a:lstStyle/>
-          <a:p>
-            <a:r>
-              <a:rPr lang="en-US" dirty="0"/>
-              <a:t>Basic components of malware</a:t>
-            </a:r>
-          </a:p>
-        </p:txBody>
-      </p:sp>
-      <p:sp>
-        <p:nvSpPr>
-          <p:cNvPr id="3" name="Content Placeholder 2">
-            <a:extLst>
-              <a:ext uri="{FF2B5EF4-FFF2-40B4-BE49-F238E27FC236}">
-                <a16:creationId xmlns:a16="http://schemas.microsoft.com/office/drawing/2014/main" id="{0CD17BBC-5541-4F71-9435-7702EAE5236A}"/>
-              </a:ext>
-            </a:extLst>
-          </p:cNvPr>
-          <p:cNvSpPr>
-            <a:spLocks noGrp="1"/>
-          </p:cNvSpPr>
-          <p:nvPr>
-            <p:ph idx="1"/>
-          </p:nvPr>
-        </p:nvSpPr>
-        <p:spPr/>
-        <p:txBody>
-          <a:bodyPr/>
-          <a:lstStyle/>
-          <a:p>
-            <a:r>
-              <a:rPr lang="en-US" dirty="0"/>
-              <a:t>Decrypt shellcode to unpack malware</a:t>
-            </a:r>
-          </a:p>
-          <a:p>
-            <a:r>
-              <a:rPr lang="en-US" dirty="0"/>
-              <a:t>Unpack malware have two routines</a:t>
-            </a:r>
-          </a:p>
-          <a:p>
-            <a:pPr lvl="1"/>
-            <a:r>
-              <a:rPr lang="en-US" dirty="0"/>
-              <a:t>1</a:t>
-            </a:r>
-            <a:r>
-              <a:rPr lang="en-US" baseline="30000" dirty="0"/>
-              <a:t>st</a:t>
-            </a:r>
-            <a:r>
-              <a:rPr lang="en-US" dirty="0"/>
-              <a:t> wiper</a:t>
-            </a:r>
-          </a:p>
-          <a:p>
-            <a:pPr lvl="1"/>
-            <a:r>
-              <a:rPr lang="en-US" dirty="0"/>
-              <a:t>2</a:t>
-            </a:r>
-            <a:r>
-              <a:rPr lang="en-US" baseline="30000" dirty="0"/>
-              <a:t>nd</a:t>
-            </a:r>
-            <a:r>
-              <a:rPr lang="en-US" dirty="0"/>
-              <a:t> Backdoor drop</a:t>
-            </a:r>
-          </a:p>
-        </p:txBody>
-      </p:sp>
-    </p:spTree>
-    <p:extLst>
-      <p:ext uri="{BB962C8B-B14F-4D97-AF65-F5344CB8AC3E}">
-        <p14:creationId xmlns:p14="http://schemas.microsoft.com/office/powerpoint/2010/main" val="1817260191"/>
-      </p:ext>
-    </p:extLst>
-  </p:cSld>
-  <p:clrMapOvr>
-    <a:masterClrMapping/>
-  </p:clrMapOvr>
-</p:sld>
-</file>
-
-<file path=ppt/slides/slide7.xml><?xml version="1.0" encoding="utf-8"?>
-<p:sld xmlns:a="http://schemas.openxmlformats.org/drawingml/2006/main" xmlns:r="http://schemas.openxmlformats.org/officeDocument/2006/relationships" xmlns:p="http://schemas.openxmlformats.org/presentationml/2006/main">
-  <p:cSld>
-    <p:spTree>
-      <p:nvGrpSpPr>
-        <p:cNvPr id="1" name=""/>
-        <p:cNvGrpSpPr/>
-        <p:nvPr/>
-      </p:nvGrpSpPr>
-      <p:grpSpPr>
-        <a:xfrm>
-          <a:off x="0" y="0"/>
-          <a:ext cx="0" cy="0"/>
-          <a:chOff x="0" y="0"/>
-          <a:chExt cx="0" cy="0"/>
-        </a:xfrm>
-      </p:grpSpPr>
-      <p:sp>
-        <p:nvSpPr>
-          <p:cNvPr id="2" name="Title 1">
-            <a:extLst>
-              <a:ext uri="{FF2B5EF4-FFF2-40B4-BE49-F238E27FC236}">
-                <a16:creationId xmlns:a16="http://schemas.microsoft.com/office/drawing/2014/main" id="{96593494-6625-4FF4-A0BC-7DCD9B79D186}"/>
-              </a:ext>
-            </a:extLst>
-          </p:cNvPr>
-          <p:cNvSpPr>
-            <a:spLocks noGrp="1"/>
-          </p:cNvSpPr>
-          <p:nvPr>
-            <p:ph type="title"/>
-          </p:nvPr>
-        </p:nvSpPr>
-        <p:spPr/>
-        <p:txBody>
-          <a:bodyPr/>
-          <a:lstStyle/>
-          <a:p>
-            <a:endParaRPr lang="en-US"/>
-          </a:p>
-        </p:txBody>
-      </p:sp>
-      <p:sp>
-        <p:nvSpPr>
-          <p:cNvPr id="3" name="Content Placeholder 2">
-            <a:extLst>
-              <a:ext uri="{FF2B5EF4-FFF2-40B4-BE49-F238E27FC236}">
-                <a16:creationId xmlns:a16="http://schemas.microsoft.com/office/drawing/2014/main" id="{0FE73E30-EE96-4B7E-956B-11928E5F5449}"/>
-              </a:ext>
-            </a:extLst>
-          </p:cNvPr>
-          <p:cNvSpPr>
-            <a:spLocks noGrp="1"/>
-          </p:cNvSpPr>
-          <p:nvPr>
-            <p:ph idx="1"/>
-          </p:nvPr>
-        </p:nvSpPr>
-        <p:spPr/>
-        <p:txBody>
-          <a:bodyPr/>
-          <a:lstStyle/>
-          <a:p>
-            <a:pPr marL="0" indent="0">
-              <a:buNone/>
-            </a:pPr>
-            <a:r>
-              <a:rPr lang="en-US" dirty="0"/>
-              <a:t>The .code section has three parts, which are most easily seen by looking at its entropy. </a:t>
-            </a:r>
-          </a:p>
-          <a:p>
-            <a:r>
-              <a:rPr lang="en-US" dirty="0"/>
-              <a:t>First, there is a high-entropy part containing the encrypted shellcode.</a:t>
-            </a:r>
-          </a:p>
-          <a:p>
-            <a:r>
-              <a:rPr lang="en-US" dirty="0"/>
-              <a:t> It is followed by plain code implementing the unpacking routine, </a:t>
-            </a:r>
-          </a:p>
-          <a:p>
-            <a:r>
-              <a:rPr lang="en-US" dirty="0"/>
-              <a:t>and then the last part, with very low entropy, appears to consist of plain strings used to construct the ransom note.</a:t>
-            </a:r>
-          </a:p>
-          <a:p>
-            <a:endParaRPr lang="en-US" dirty="0"/>
-          </a:p>
-          <a:p>
-            <a:endParaRPr lang="en-US" dirty="0"/>
-          </a:p>
-        </p:txBody>
-      </p:sp>
-    </p:spTree>
-    <p:extLst>
-      <p:ext uri="{BB962C8B-B14F-4D97-AF65-F5344CB8AC3E}">
-        <p14:creationId xmlns:p14="http://schemas.microsoft.com/office/powerpoint/2010/main" val="1474241361"/>
-      </p:ext>
-    </p:extLst>
-  </p:cSld>
-  <p:clrMapOvr>
-    <a:masterClrMapping/>
-  </p:clrMapOvr>
-</p:sld>
-</file>
-
-<file path=ppt/slides/slide8.xml><?xml version="1.0" encoding="utf-8"?>
-<p:sld xmlns:a="http://schemas.openxmlformats.org/drawingml/2006/main" xmlns:r="http://schemas.openxmlformats.org/officeDocument/2006/relationships" xmlns:p="http://schemas.openxmlformats.org/presentationml/2006/main">
-  <p:cSld>
-    <p:spTree>
-      <p:nvGrpSpPr>
-        <p:cNvPr id="1" name=""/>
-        <p:cNvGrpSpPr/>
-        <p:nvPr/>
-      </p:nvGrpSpPr>
-      <p:grpSpPr>
-        <a:xfrm>
-          <a:off x="0" y="0"/>
-          <a:ext cx="0" cy="0"/>
-          <a:chOff x="0" y="0"/>
-          <a:chExt cx="0" cy="0"/>
-        </a:xfrm>
-      </p:grpSpPr>
-      <p:sp>
-        <p:nvSpPr>
-          <p:cNvPr id="2" name="Title 1">
-            <a:extLst>
-              <a:ext uri="{FF2B5EF4-FFF2-40B4-BE49-F238E27FC236}">
                 <a16:creationId xmlns:a16="http://schemas.microsoft.com/office/drawing/2014/main" id="{E5BEBA75-C943-4115-8B06-556BBF6F8492}"/>
               </a:ext>
             </a:extLst>
@@ -5745,7 +5017,7 @@
 </p:sld>
 </file>
 
-<file path=ppt/slides/slide9.xml><?xml version="1.0" encoding="utf-8"?>
+<file path=ppt/slides/slide11.xml><?xml version="1.0" encoding="utf-8"?>
 <p:sld xmlns:a="http://schemas.openxmlformats.org/drawingml/2006/main" xmlns:r="http://schemas.openxmlformats.org/officeDocument/2006/relationships" xmlns:p="http://schemas.openxmlformats.org/presentationml/2006/main">
   <p:cSld>
     <p:spTree>
@@ -5961,6 +5233,1000 @@
     <p:extLst>
       <p:ext uri="{BB962C8B-B14F-4D97-AF65-F5344CB8AC3E}">
         <p14:creationId xmlns:p14="http://schemas.microsoft.com/office/powerpoint/2010/main" val="3528592868"/>
+      </p:ext>
+    </p:extLst>
+  </p:cSld>
+  <p:clrMapOvr>
+    <a:masterClrMapping/>
+  </p:clrMapOvr>
+</p:sld>
+</file>
+
+<file path=ppt/slides/slide2.xml><?xml version="1.0" encoding="utf-8"?>
+<p:sld xmlns:a="http://schemas.openxmlformats.org/drawingml/2006/main" xmlns:r="http://schemas.openxmlformats.org/officeDocument/2006/relationships" xmlns:p="http://schemas.openxmlformats.org/presentationml/2006/main">
+  <p:cSld>
+    <p:spTree>
+      <p:nvGrpSpPr>
+        <p:cNvPr id="1" name=""/>
+        <p:cNvGrpSpPr/>
+        <p:nvPr/>
+      </p:nvGrpSpPr>
+      <p:grpSpPr>
+        <a:xfrm>
+          <a:off x="0" y="0"/>
+          <a:ext cx="0" cy="0"/>
+          <a:chOff x="0" y="0"/>
+          <a:chExt cx="0" cy="0"/>
+        </a:xfrm>
+      </p:grpSpPr>
+      <p:sp>
+        <p:nvSpPr>
+          <p:cNvPr id="2" name="Title 1">
+            <a:extLst>
+              <a:ext uri="{FF2B5EF4-FFF2-40B4-BE49-F238E27FC236}">
+                <a16:creationId xmlns:a16="http://schemas.microsoft.com/office/drawing/2014/main" id="{A0B7947D-5C0C-7E4F-A1E7-FB2CB209B4E8}"/>
+              </a:ext>
+            </a:extLst>
+          </p:cNvPr>
+          <p:cNvSpPr>
+            <a:spLocks noGrp="1"/>
+          </p:cNvSpPr>
+          <p:nvPr>
+            <p:ph type="title"/>
+          </p:nvPr>
+        </p:nvSpPr>
+        <p:spPr/>
+        <p:txBody>
+          <a:bodyPr>
+            <a:normAutofit fontScale="90000"/>
+          </a:bodyPr>
+          <a:lstStyle/>
+          <a:p>
+            <a:pPr algn="l"/>
+            <a:r>
+              <a:rPr lang="en-US" sz="4400" b="1" i="0" dirty="0">
+                <a:solidFill>
+                  <a:srgbClr val="C00000"/>
+                </a:solidFill>
+                <a:effectLst/>
+                <a:latin typeface="dinot"/>
+              </a:rPr>
+              <a:t>Technical Analysis: Highlights</a:t>
+            </a:r>
+          </a:p>
+        </p:txBody>
+      </p:sp>
+      <p:sp>
+        <p:nvSpPr>
+          <p:cNvPr id="3" name="Content Placeholder 2">
+            <a:extLst>
+              <a:ext uri="{FF2B5EF4-FFF2-40B4-BE49-F238E27FC236}">
+                <a16:creationId xmlns:a16="http://schemas.microsoft.com/office/drawing/2014/main" id="{B5A51607-F801-C745-9FA7-D45F2043C66D}"/>
+              </a:ext>
+            </a:extLst>
+          </p:cNvPr>
+          <p:cNvSpPr>
+            <a:spLocks noGrp="1"/>
+          </p:cNvSpPr>
+          <p:nvPr>
+            <p:ph sz="half" idx="2"/>
+          </p:nvPr>
+        </p:nvSpPr>
+        <p:spPr/>
+        <p:txBody>
+          <a:bodyPr>
+            <a:normAutofit/>
+          </a:bodyPr>
+          <a:lstStyle/>
+          <a:p>
+            <a:pPr algn="l">
+              <a:buFont typeface="Arial" panose="020B0604020202020204" pitchFamily="34" charset="0"/>
+              <a:buChar char="•"/>
+            </a:pPr>
+            <a:r>
+              <a:rPr lang="en-US" sz="1800" b="0" i="0" dirty="0">
+                <a:effectLst/>
+                <a:latin typeface="dinot"/>
+              </a:rPr>
+              <a:t>Manually crafted in assembly using FASM</a:t>
+            </a:r>
+          </a:p>
+          <a:p>
+            <a:pPr algn="l">
+              <a:buFont typeface="Arial" panose="020B0604020202020204" pitchFamily="34" charset="0"/>
+              <a:buChar char="•"/>
+            </a:pPr>
+            <a:r>
+              <a:rPr lang="en-US" sz="1800" b="0" i="0" dirty="0">
+                <a:effectLst/>
+                <a:latin typeface="dinot"/>
+              </a:rPr>
+              <a:t>Using anti-analysis and code obfuscation techniques</a:t>
+            </a:r>
+          </a:p>
+          <a:p>
+            <a:pPr algn="l">
+              <a:buFont typeface="Arial" panose="020B0604020202020204" pitchFamily="34" charset="0"/>
+              <a:buChar char="•"/>
+            </a:pPr>
+            <a:r>
+              <a:rPr lang="en-US" sz="1800" b="0" i="0" dirty="0">
+                <a:effectLst/>
+                <a:latin typeface="dinot"/>
+              </a:rPr>
+              <a:t>Multi-threaded intermittent overwriting (looping 666 bytes) of original data content</a:t>
+            </a:r>
+          </a:p>
+          <a:p>
+            <a:pPr algn="l">
+              <a:buFont typeface="Arial" panose="020B0604020202020204" pitchFamily="34" charset="0"/>
+              <a:buChar char="•"/>
+            </a:pPr>
+            <a:r>
+              <a:rPr lang="en-US" sz="1800" b="0" i="0" dirty="0">
+                <a:effectLst/>
+                <a:latin typeface="dinot"/>
+              </a:rPr>
+              <a:t>Polymorphic way of backdooring 64-bit “.exe” files across the compromised system</a:t>
+            </a:r>
+          </a:p>
+          <a:p>
+            <a:pPr algn="l">
+              <a:buFont typeface="Arial" panose="020B0604020202020204" pitchFamily="34" charset="0"/>
+              <a:buChar char="•"/>
+            </a:pPr>
+            <a:r>
+              <a:rPr lang="en-US" sz="1800" b="0" i="0" dirty="0">
+                <a:effectLst/>
+                <a:latin typeface="dinot"/>
+              </a:rPr>
+              <a:t>“logic bomb” set to detonate at a certain time. The sample analyzed below was set to detonate at 10-27-2022 10:14:30 AM UTC</a:t>
+            </a:r>
+          </a:p>
+          <a:p>
+            <a:pPr algn="l">
+              <a:buFont typeface="Arial" panose="020B0604020202020204" pitchFamily="34" charset="0"/>
+              <a:buChar char="•"/>
+            </a:pPr>
+            <a:r>
+              <a:rPr lang="en-US" sz="1800" b="0" i="0" dirty="0">
+                <a:effectLst/>
+                <a:latin typeface="dinot"/>
+              </a:rPr>
+              <a:t>No network activity and no data exfiltration</a:t>
+            </a:r>
+          </a:p>
+          <a:p>
+            <a:pPr algn="l">
+              <a:buFont typeface="Arial" panose="020B0604020202020204" pitchFamily="34" charset="0"/>
+              <a:buChar char="•"/>
+            </a:pPr>
+            <a:r>
+              <a:rPr lang="en-US" sz="1800" b="0" i="0" dirty="0">
+                <a:effectLst/>
+                <a:latin typeface="dinot"/>
+              </a:rPr>
+              <a:t>Using the </a:t>
+            </a:r>
+            <a:r>
+              <a:rPr lang="en-US" sz="1800" b="0" i="0" dirty="0" err="1">
+                <a:effectLst/>
+                <a:latin typeface="dinot"/>
+              </a:rPr>
+              <a:t>SmokeLoader</a:t>
+            </a:r>
+            <a:r>
+              <a:rPr lang="en-US" sz="1800" b="0" i="0" dirty="0">
+                <a:effectLst/>
+                <a:latin typeface="dinot"/>
+              </a:rPr>
+              <a:t> botnet and </a:t>
+            </a:r>
+            <a:r>
+              <a:rPr lang="en-US" sz="1800" b="0" i="0" dirty="0" err="1">
+                <a:effectLst/>
+                <a:latin typeface="dinot"/>
+              </a:rPr>
+              <a:t>trojanized</a:t>
+            </a:r>
+            <a:r>
+              <a:rPr lang="en-US" sz="1800" b="0" i="0" dirty="0">
+                <a:effectLst/>
+                <a:latin typeface="dinot"/>
+              </a:rPr>
+              <a:t> programs to spread</a:t>
+            </a:r>
+          </a:p>
+          <a:p>
+            <a:pPr algn="l">
+              <a:buFont typeface="Arial" panose="020B0604020202020204" pitchFamily="34" charset="0"/>
+              <a:buChar char="•"/>
+            </a:pPr>
+            <a:r>
+              <a:rPr lang="en-US" sz="1800" b="0" i="0" dirty="0">
+                <a:effectLst/>
+                <a:latin typeface="dinot"/>
+              </a:rPr>
+              <a:t>Effective, fast, and unfortunately unrecoverable data wiper</a:t>
+            </a:r>
+          </a:p>
+        </p:txBody>
+      </p:sp>
+      <p:sp>
+        <p:nvSpPr>
+          <p:cNvPr id="4" name="Slide Number Placeholder 3">
+            <a:extLst>
+              <a:ext uri="{FF2B5EF4-FFF2-40B4-BE49-F238E27FC236}">
+                <a16:creationId xmlns:a16="http://schemas.microsoft.com/office/drawing/2014/main" id="{40CDA9B0-D0BF-C94B-97EE-100A7BB58A23}"/>
+              </a:ext>
+            </a:extLst>
+          </p:cNvPr>
+          <p:cNvSpPr>
+            <a:spLocks noGrp="1"/>
+          </p:cNvSpPr>
+          <p:nvPr>
+            <p:ph type="sldNum" sz="quarter" idx="10"/>
+          </p:nvPr>
+        </p:nvSpPr>
+        <p:spPr/>
+        <p:txBody>
+          <a:bodyPr/>
+          <a:lstStyle/>
+          <a:p>
+            <a:pPr>
+              <a:defRPr/>
+            </a:pPr>
+            <a:fld id="{EF611178-6C3A-F247-8731-699DBDA96700}" type="slidenum">
+              <a:rPr lang="en-US" altLang="en-US" smtClean="0"/>
+              <a:pPr>
+                <a:defRPr/>
+              </a:pPr>
+              <a:t>2</a:t>
+            </a:fld>
+            <a:endParaRPr lang="en-US" altLang="en-US" dirty="0"/>
+          </a:p>
+        </p:txBody>
+      </p:sp>
+    </p:spTree>
+    <p:extLst>
+      <p:ext uri="{BB962C8B-B14F-4D97-AF65-F5344CB8AC3E}">
+        <p14:creationId xmlns:p14="http://schemas.microsoft.com/office/powerpoint/2010/main" val="1680610738"/>
+      </p:ext>
+    </p:extLst>
+  </p:cSld>
+  <p:clrMapOvr>
+    <a:masterClrMapping/>
+  </p:clrMapOvr>
+</p:sld>
+</file>
+
+<file path=ppt/slides/slide3.xml><?xml version="1.0" encoding="utf-8"?>
+<p:sld xmlns:a="http://schemas.openxmlformats.org/drawingml/2006/main" xmlns:r="http://schemas.openxmlformats.org/officeDocument/2006/relationships" xmlns:p="http://schemas.openxmlformats.org/presentationml/2006/main">
+  <p:cSld>
+    <p:spTree>
+      <p:nvGrpSpPr>
+        <p:cNvPr id="1" name=""/>
+        <p:cNvGrpSpPr/>
+        <p:nvPr/>
+      </p:nvGrpSpPr>
+      <p:grpSpPr>
+        <a:xfrm>
+          <a:off x="0" y="0"/>
+          <a:ext cx="0" cy="0"/>
+          <a:chOff x="0" y="0"/>
+          <a:chExt cx="0" cy="0"/>
+        </a:xfrm>
+      </p:grpSpPr>
+      <p:sp>
+        <p:nvSpPr>
+          <p:cNvPr id="2" name="Title 1">
+            <a:extLst>
+              <a:ext uri="{FF2B5EF4-FFF2-40B4-BE49-F238E27FC236}">
+                <a16:creationId xmlns:a16="http://schemas.microsoft.com/office/drawing/2014/main" id="{B236CFC7-E457-4E69-8A1C-69C731FB21D6}"/>
+              </a:ext>
+            </a:extLst>
+          </p:cNvPr>
+          <p:cNvSpPr>
+            <a:spLocks noGrp="1"/>
+          </p:cNvSpPr>
+          <p:nvPr>
+            <p:ph type="title"/>
+          </p:nvPr>
+        </p:nvSpPr>
+        <p:spPr>
+          <a:xfrm>
+            <a:off x="699052" y="320675"/>
+            <a:ext cx="10515600" cy="1325563"/>
+          </a:xfrm>
+        </p:spPr>
+        <p:txBody>
+          <a:bodyPr/>
+          <a:lstStyle/>
+          <a:p>
+            <a:r>
+              <a:rPr lang="en-US" dirty="0"/>
+              <a:t>Found in wild</a:t>
+            </a:r>
+          </a:p>
+        </p:txBody>
+      </p:sp>
+      <p:pic>
+        <p:nvPicPr>
+          <p:cNvPr id="6" name="Content Placeholder 5">
+            <a:extLst>
+              <a:ext uri="{FF2B5EF4-FFF2-40B4-BE49-F238E27FC236}">
+                <a16:creationId xmlns:a16="http://schemas.microsoft.com/office/drawing/2014/main" id="{6186DD09-3F1F-443C-9C73-620BA3C0ACC6}"/>
+              </a:ext>
+            </a:extLst>
+          </p:cNvPr>
+          <p:cNvPicPr>
+            <a:picLocks noGrp="1" noChangeAspect="1"/>
+          </p:cNvPicPr>
+          <p:nvPr>
+            <p:ph idx="1"/>
+          </p:nvPr>
+        </p:nvPicPr>
+        <p:blipFill>
+          <a:blip r:embed="rId3"/>
+          <a:stretch>
+            <a:fillRect/>
+          </a:stretch>
+        </p:blipFill>
+        <p:spPr>
+          <a:xfrm>
+            <a:off x="977348" y="1569935"/>
+            <a:ext cx="8243664" cy="4862719"/>
+          </a:xfrm>
+        </p:spPr>
+      </p:pic>
+      <p:sp>
+        <p:nvSpPr>
+          <p:cNvPr id="4" name="Slide Number Placeholder 3">
+            <a:extLst>
+              <a:ext uri="{FF2B5EF4-FFF2-40B4-BE49-F238E27FC236}">
+                <a16:creationId xmlns:a16="http://schemas.microsoft.com/office/drawing/2014/main" id="{B4EF4643-449F-4E6F-B022-B9A16308C5BA}"/>
+              </a:ext>
+            </a:extLst>
+          </p:cNvPr>
+          <p:cNvSpPr>
+            <a:spLocks noGrp="1"/>
+          </p:cNvSpPr>
+          <p:nvPr>
+            <p:ph type="sldNum" sz="quarter" idx="10"/>
+          </p:nvPr>
+        </p:nvSpPr>
+        <p:spPr/>
+        <p:txBody>
+          <a:bodyPr/>
+          <a:lstStyle/>
+          <a:p>
+            <a:pPr>
+              <a:defRPr/>
+            </a:pPr>
+            <a:fld id="{EF611178-6C3A-F247-8731-699DBDA96700}" type="slidenum">
+              <a:rPr lang="en-US" altLang="en-US" smtClean="0"/>
+              <a:pPr>
+                <a:defRPr/>
+              </a:pPr>
+              <a:t>3</a:t>
+            </a:fld>
+            <a:endParaRPr lang="en-US" altLang="en-US" dirty="0"/>
+          </a:p>
+        </p:txBody>
+      </p:sp>
+    </p:spTree>
+    <p:extLst>
+      <p:ext uri="{BB962C8B-B14F-4D97-AF65-F5344CB8AC3E}">
+        <p14:creationId xmlns:p14="http://schemas.microsoft.com/office/powerpoint/2010/main" val="1630630124"/>
+      </p:ext>
+    </p:extLst>
+  </p:cSld>
+  <p:clrMapOvr>
+    <a:masterClrMapping/>
+  </p:clrMapOvr>
+</p:sld>
+</file>
+
+<file path=ppt/slides/slide4.xml><?xml version="1.0" encoding="utf-8"?>
+<p:sld xmlns:a="http://schemas.openxmlformats.org/drawingml/2006/main" xmlns:r="http://schemas.openxmlformats.org/officeDocument/2006/relationships" xmlns:p="http://schemas.openxmlformats.org/presentationml/2006/main">
+  <p:cSld>
+    <p:spTree>
+      <p:nvGrpSpPr>
+        <p:cNvPr id="1" name=""/>
+        <p:cNvGrpSpPr/>
+        <p:nvPr/>
+      </p:nvGrpSpPr>
+      <p:grpSpPr>
+        <a:xfrm>
+          <a:off x="0" y="0"/>
+          <a:ext cx="0" cy="0"/>
+          <a:chOff x="0" y="0"/>
+          <a:chExt cx="0" cy="0"/>
+        </a:xfrm>
+      </p:grpSpPr>
+      <p:sp>
+        <p:nvSpPr>
+          <p:cNvPr id="2" name="Title 1">
+            <a:extLst>
+              <a:ext uri="{FF2B5EF4-FFF2-40B4-BE49-F238E27FC236}">
+                <a16:creationId xmlns:a16="http://schemas.microsoft.com/office/drawing/2014/main" id="{8887C344-EA09-4FCF-AFE3-6597E160B4A1}"/>
+              </a:ext>
+            </a:extLst>
+          </p:cNvPr>
+          <p:cNvSpPr>
+            <a:spLocks noGrp="1"/>
+          </p:cNvSpPr>
+          <p:nvPr>
+            <p:ph type="title"/>
+          </p:nvPr>
+        </p:nvSpPr>
+        <p:spPr/>
+        <p:txBody>
+          <a:bodyPr/>
+          <a:lstStyle/>
+          <a:p>
+            <a:r>
+              <a:rPr lang="en-US" dirty="0"/>
+              <a:t>Unique Sample</a:t>
+            </a:r>
+          </a:p>
+        </p:txBody>
+      </p:sp>
+      <p:pic>
+        <p:nvPicPr>
+          <p:cNvPr id="5" name="Content Placeholder 4">
+            <a:extLst>
+              <a:ext uri="{FF2B5EF4-FFF2-40B4-BE49-F238E27FC236}">
+                <a16:creationId xmlns:a16="http://schemas.microsoft.com/office/drawing/2014/main" id="{CC8A6E96-0384-4288-971B-DF59B393D994}"/>
+              </a:ext>
+            </a:extLst>
+          </p:cNvPr>
+          <p:cNvPicPr>
+            <a:picLocks noGrp="1" noChangeAspect="1"/>
+          </p:cNvPicPr>
+          <p:nvPr>
+            <p:ph idx="1"/>
+          </p:nvPr>
+        </p:nvPicPr>
+        <p:blipFill>
+          <a:blip r:embed="rId2"/>
+          <a:stretch>
+            <a:fillRect/>
+          </a:stretch>
+        </p:blipFill>
+        <p:spPr>
+          <a:xfrm>
+            <a:off x="187965" y="1368425"/>
+            <a:ext cx="7402873" cy="3225346"/>
+          </a:xfrm>
+        </p:spPr>
+      </p:pic>
+      <p:pic>
+        <p:nvPicPr>
+          <p:cNvPr id="7" name="Picture 6">
+            <a:extLst>
+              <a:ext uri="{FF2B5EF4-FFF2-40B4-BE49-F238E27FC236}">
+                <a16:creationId xmlns:a16="http://schemas.microsoft.com/office/drawing/2014/main" id="{3F14194D-CFB0-4B1D-98C8-E0F0532052BF}"/>
+              </a:ext>
+            </a:extLst>
+          </p:cNvPr>
+          <p:cNvPicPr>
+            <a:picLocks noChangeAspect="1"/>
+          </p:cNvPicPr>
+          <p:nvPr/>
+        </p:nvPicPr>
+        <p:blipFill>
+          <a:blip r:embed="rId3"/>
+          <a:stretch>
+            <a:fillRect/>
+          </a:stretch>
+        </p:blipFill>
+        <p:spPr>
+          <a:xfrm>
+            <a:off x="4103914" y="2900988"/>
+            <a:ext cx="6379029" cy="3756766"/>
+          </a:xfrm>
+          <a:prstGeom prst="rect">
+            <a:avLst/>
+          </a:prstGeom>
+        </p:spPr>
+      </p:pic>
+    </p:spTree>
+    <p:extLst>
+      <p:ext uri="{BB962C8B-B14F-4D97-AF65-F5344CB8AC3E}">
+        <p14:creationId xmlns:p14="http://schemas.microsoft.com/office/powerpoint/2010/main" val="3938335759"/>
+      </p:ext>
+    </p:extLst>
+  </p:cSld>
+  <p:clrMapOvr>
+    <a:masterClrMapping/>
+  </p:clrMapOvr>
+</p:sld>
+</file>
+
+<file path=ppt/slides/slide5.xml><?xml version="1.0" encoding="utf-8"?>
+<p:sld xmlns:a="http://schemas.openxmlformats.org/drawingml/2006/main" xmlns:r="http://schemas.openxmlformats.org/officeDocument/2006/relationships" xmlns:p="http://schemas.openxmlformats.org/presentationml/2006/main">
+  <p:cSld>
+    <p:spTree>
+      <p:nvGrpSpPr>
+        <p:cNvPr id="1" name=""/>
+        <p:cNvGrpSpPr/>
+        <p:nvPr/>
+      </p:nvGrpSpPr>
+      <p:grpSpPr>
+        <a:xfrm>
+          <a:off x="0" y="0"/>
+          <a:ext cx="0" cy="0"/>
+          <a:chOff x="0" y="0"/>
+          <a:chExt cx="0" cy="0"/>
+        </a:xfrm>
+      </p:grpSpPr>
+      <p:sp>
+        <p:nvSpPr>
+          <p:cNvPr id="2" name="Title 1">
+            <a:extLst>
+              <a:ext uri="{FF2B5EF4-FFF2-40B4-BE49-F238E27FC236}">
+                <a16:creationId xmlns:a16="http://schemas.microsoft.com/office/drawing/2014/main" id="{96593494-6625-4FF4-A0BC-7DCD9B79D186}"/>
+              </a:ext>
+            </a:extLst>
+          </p:cNvPr>
+          <p:cNvSpPr>
+            <a:spLocks noGrp="1"/>
+          </p:cNvSpPr>
+          <p:nvPr>
+            <p:ph type="title"/>
+          </p:nvPr>
+        </p:nvSpPr>
+        <p:spPr/>
+        <p:txBody>
+          <a:bodyPr/>
+          <a:lstStyle/>
+          <a:p>
+            <a:endParaRPr lang="en-US"/>
+          </a:p>
+        </p:txBody>
+      </p:sp>
+      <p:sp>
+        <p:nvSpPr>
+          <p:cNvPr id="3" name="Content Placeholder 2">
+            <a:extLst>
+              <a:ext uri="{FF2B5EF4-FFF2-40B4-BE49-F238E27FC236}">
+                <a16:creationId xmlns:a16="http://schemas.microsoft.com/office/drawing/2014/main" id="{0FE73E30-EE96-4B7E-956B-11928E5F5449}"/>
+              </a:ext>
+            </a:extLst>
+          </p:cNvPr>
+          <p:cNvSpPr>
+            <a:spLocks noGrp="1"/>
+          </p:cNvSpPr>
+          <p:nvPr>
+            <p:ph idx="1"/>
+          </p:nvPr>
+        </p:nvSpPr>
+        <p:spPr/>
+        <p:txBody>
+          <a:bodyPr/>
+          <a:lstStyle/>
+          <a:p>
+            <a:pPr marL="0" indent="0">
+              <a:buNone/>
+            </a:pPr>
+            <a:r>
+              <a:rPr lang="en-US" dirty="0"/>
+              <a:t>The .code section has three parts, which are most easily seen by looking at its entropy. </a:t>
+            </a:r>
+          </a:p>
+          <a:p>
+            <a:r>
+              <a:rPr lang="en-US" dirty="0"/>
+              <a:t>First, there is a high-entropy part containing the encrypted shellcode.</a:t>
+            </a:r>
+          </a:p>
+          <a:p>
+            <a:r>
+              <a:rPr lang="en-US" dirty="0"/>
+              <a:t> It is followed by plain code implementing the unpacking routine, </a:t>
+            </a:r>
+          </a:p>
+          <a:p>
+            <a:r>
+              <a:rPr lang="en-US" dirty="0"/>
+              <a:t>and then the last part, with very low entropy, appears to consist of plain strings used to construct the ransom note.</a:t>
+            </a:r>
+          </a:p>
+          <a:p>
+            <a:endParaRPr lang="en-US" dirty="0"/>
+          </a:p>
+          <a:p>
+            <a:endParaRPr lang="en-US" dirty="0"/>
+          </a:p>
+        </p:txBody>
+      </p:sp>
+    </p:spTree>
+    <p:extLst>
+      <p:ext uri="{BB962C8B-B14F-4D97-AF65-F5344CB8AC3E}">
+        <p14:creationId xmlns:p14="http://schemas.microsoft.com/office/powerpoint/2010/main" val="1474241361"/>
+      </p:ext>
+    </p:extLst>
+  </p:cSld>
+  <p:clrMapOvr>
+    <a:masterClrMapping/>
+  </p:clrMapOvr>
+</p:sld>
+</file>
+
+<file path=ppt/slides/slide6.xml><?xml version="1.0" encoding="utf-8"?>
+<p:sld xmlns:a="http://schemas.openxmlformats.org/drawingml/2006/main" xmlns:r="http://schemas.openxmlformats.org/officeDocument/2006/relationships" xmlns:p="http://schemas.openxmlformats.org/presentationml/2006/main">
+  <p:cSld>
+    <p:spTree>
+      <p:nvGrpSpPr>
+        <p:cNvPr id="1" name=""/>
+        <p:cNvGrpSpPr/>
+        <p:nvPr/>
+      </p:nvGrpSpPr>
+      <p:grpSpPr>
+        <a:xfrm>
+          <a:off x="0" y="0"/>
+          <a:ext cx="0" cy="0"/>
+          <a:chOff x="0" y="0"/>
+          <a:chExt cx="0" cy="0"/>
+        </a:xfrm>
+      </p:grpSpPr>
+      <p:sp>
+        <p:nvSpPr>
+          <p:cNvPr id="2" name="Title 1">
+            <a:extLst>
+              <a:ext uri="{FF2B5EF4-FFF2-40B4-BE49-F238E27FC236}">
+                <a16:creationId xmlns:a16="http://schemas.microsoft.com/office/drawing/2014/main" id="{35CBC5A8-8086-0FF1-F7F9-194994FE027A}"/>
+              </a:ext>
+            </a:extLst>
+          </p:cNvPr>
+          <p:cNvSpPr>
+            <a:spLocks noGrp="1"/>
+          </p:cNvSpPr>
+          <p:nvPr>
+            <p:ph type="title"/>
+          </p:nvPr>
+        </p:nvSpPr>
+        <p:spPr/>
+        <p:txBody>
+          <a:bodyPr/>
+          <a:lstStyle/>
+          <a:p>
+            <a:r>
+              <a:rPr lang="en-US" dirty="0"/>
+              <a:t>Driver</a:t>
+            </a:r>
+            <a:endParaRPr lang="en-IN" dirty="0"/>
+          </a:p>
+        </p:txBody>
+      </p:sp>
+      <p:pic>
+        <p:nvPicPr>
+          <p:cNvPr id="5" name="Content Placeholder 4">
+            <a:extLst>
+              <a:ext uri="{FF2B5EF4-FFF2-40B4-BE49-F238E27FC236}">
+                <a16:creationId xmlns:a16="http://schemas.microsoft.com/office/drawing/2014/main" id="{F038E442-69DD-83EA-7CE0-97BBA648CBD1}"/>
+              </a:ext>
+            </a:extLst>
+          </p:cNvPr>
+          <p:cNvPicPr>
+            <a:picLocks noGrp="1" noChangeAspect="1"/>
+          </p:cNvPicPr>
+          <p:nvPr>
+            <p:ph idx="1"/>
+          </p:nvPr>
+        </p:nvPicPr>
+        <p:blipFill>
+          <a:blip r:embed="rId2"/>
+          <a:stretch>
+            <a:fillRect/>
+          </a:stretch>
+        </p:blipFill>
+        <p:spPr>
+          <a:xfrm>
+            <a:off x="905070" y="1635428"/>
+            <a:ext cx="7667776" cy="3494736"/>
+          </a:xfrm>
+        </p:spPr>
+      </p:pic>
+    </p:spTree>
+    <p:extLst>
+      <p:ext uri="{BB962C8B-B14F-4D97-AF65-F5344CB8AC3E}">
+        <p14:creationId xmlns:p14="http://schemas.microsoft.com/office/powerpoint/2010/main" val="470666789"/>
+      </p:ext>
+    </p:extLst>
+  </p:cSld>
+  <p:clrMapOvr>
+    <a:masterClrMapping/>
+  </p:clrMapOvr>
+</p:sld>
+</file>
+
+<file path=ppt/slides/slide7.xml><?xml version="1.0" encoding="utf-8"?>
+<p:sld xmlns:a="http://schemas.openxmlformats.org/drawingml/2006/main" xmlns:r="http://schemas.openxmlformats.org/officeDocument/2006/relationships" xmlns:p="http://schemas.openxmlformats.org/presentationml/2006/main">
+  <p:cSld>
+    <p:spTree>
+      <p:nvGrpSpPr>
+        <p:cNvPr id="1" name=""/>
+        <p:cNvGrpSpPr/>
+        <p:nvPr/>
+      </p:nvGrpSpPr>
+      <p:grpSpPr>
+        <a:xfrm>
+          <a:off x="0" y="0"/>
+          <a:ext cx="0" cy="0"/>
+          <a:chOff x="0" y="0"/>
+          <a:chExt cx="0" cy="0"/>
+        </a:xfrm>
+      </p:grpSpPr>
+      <p:sp>
+        <p:nvSpPr>
+          <p:cNvPr id="2" name="Title 1">
+            <a:extLst>
+              <a:ext uri="{FF2B5EF4-FFF2-40B4-BE49-F238E27FC236}">
+                <a16:creationId xmlns:a16="http://schemas.microsoft.com/office/drawing/2014/main" id="{FBF65D6C-C26F-3F5A-ECB4-41E005714631}"/>
+              </a:ext>
+            </a:extLst>
+          </p:cNvPr>
+          <p:cNvSpPr>
+            <a:spLocks noGrp="1"/>
+          </p:cNvSpPr>
+          <p:nvPr>
+            <p:ph type="title"/>
+          </p:nvPr>
+        </p:nvSpPr>
+        <p:spPr/>
+        <p:txBody>
+          <a:bodyPr/>
+          <a:lstStyle/>
+          <a:p>
+            <a:endParaRPr lang="en-IN"/>
+          </a:p>
+        </p:txBody>
+      </p:sp>
+      <p:pic>
+        <p:nvPicPr>
+          <p:cNvPr id="5" name="Content Placeholder 4">
+            <a:extLst>
+              <a:ext uri="{FF2B5EF4-FFF2-40B4-BE49-F238E27FC236}">
+                <a16:creationId xmlns:a16="http://schemas.microsoft.com/office/drawing/2014/main" id="{5FD1572E-5AF6-8D4B-305F-DAB1D06BF84B}"/>
+              </a:ext>
+            </a:extLst>
+          </p:cNvPr>
+          <p:cNvPicPr>
+            <a:picLocks noGrp="1" noChangeAspect="1"/>
+          </p:cNvPicPr>
+          <p:nvPr>
+            <p:ph idx="1"/>
+          </p:nvPr>
+        </p:nvPicPr>
+        <p:blipFill>
+          <a:blip r:embed="rId2"/>
+          <a:stretch>
+            <a:fillRect/>
+          </a:stretch>
+        </p:blipFill>
+        <p:spPr>
+          <a:xfrm>
+            <a:off x="838200" y="3319304"/>
+            <a:ext cx="10515600" cy="1363979"/>
+          </a:xfrm>
+        </p:spPr>
+      </p:pic>
+    </p:spTree>
+    <p:extLst>
+      <p:ext uri="{BB962C8B-B14F-4D97-AF65-F5344CB8AC3E}">
+        <p14:creationId xmlns:p14="http://schemas.microsoft.com/office/powerpoint/2010/main" val="3376862043"/>
+      </p:ext>
+    </p:extLst>
+  </p:cSld>
+  <p:clrMapOvr>
+    <a:masterClrMapping/>
+  </p:clrMapOvr>
+</p:sld>
+</file>
+
+<file path=ppt/slides/slide8.xml><?xml version="1.0" encoding="utf-8"?>
+<p:sld xmlns:a="http://schemas.openxmlformats.org/drawingml/2006/main" xmlns:r="http://schemas.openxmlformats.org/officeDocument/2006/relationships" xmlns:p="http://schemas.openxmlformats.org/presentationml/2006/main">
+  <p:cSld>
+    <p:spTree>
+      <p:nvGrpSpPr>
+        <p:cNvPr id="1" name=""/>
+        <p:cNvGrpSpPr/>
+        <p:nvPr/>
+      </p:nvGrpSpPr>
+      <p:grpSpPr>
+        <a:xfrm>
+          <a:off x="0" y="0"/>
+          <a:ext cx="0" cy="0"/>
+          <a:chOff x="0" y="0"/>
+          <a:chExt cx="0" cy="0"/>
+        </a:xfrm>
+      </p:grpSpPr>
+      <p:sp>
+        <p:nvSpPr>
+          <p:cNvPr id="2" name="Title 1">
+            <a:extLst>
+              <a:ext uri="{FF2B5EF4-FFF2-40B4-BE49-F238E27FC236}">
+                <a16:creationId xmlns:a16="http://schemas.microsoft.com/office/drawing/2014/main" id="{AA02BC4B-0F33-4DFF-85B8-3B004C503388}"/>
+              </a:ext>
+            </a:extLst>
+          </p:cNvPr>
+          <p:cNvSpPr>
+            <a:spLocks noGrp="1"/>
+          </p:cNvSpPr>
+          <p:nvPr>
+            <p:ph type="title"/>
+          </p:nvPr>
+        </p:nvSpPr>
+        <p:spPr/>
+        <p:txBody>
+          <a:bodyPr/>
+          <a:lstStyle/>
+          <a:p>
+            <a:r>
+              <a:rPr lang="en-US" dirty="0"/>
+              <a:t>Basic components of malware</a:t>
+            </a:r>
+          </a:p>
+        </p:txBody>
+      </p:sp>
+      <p:sp>
+        <p:nvSpPr>
+          <p:cNvPr id="3" name="Content Placeholder 2">
+            <a:extLst>
+              <a:ext uri="{FF2B5EF4-FFF2-40B4-BE49-F238E27FC236}">
+                <a16:creationId xmlns:a16="http://schemas.microsoft.com/office/drawing/2014/main" id="{0CD17BBC-5541-4F71-9435-7702EAE5236A}"/>
+              </a:ext>
+            </a:extLst>
+          </p:cNvPr>
+          <p:cNvSpPr>
+            <a:spLocks noGrp="1"/>
+          </p:cNvSpPr>
+          <p:nvPr>
+            <p:ph idx="1"/>
+          </p:nvPr>
+        </p:nvSpPr>
+        <p:spPr/>
+        <p:txBody>
+          <a:bodyPr/>
+          <a:lstStyle/>
+          <a:p>
+            <a:r>
+              <a:rPr lang="en-US" dirty="0"/>
+              <a:t>Decrypt shellcode to unpack malware</a:t>
+            </a:r>
+          </a:p>
+          <a:p>
+            <a:r>
+              <a:rPr lang="en-US" dirty="0"/>
+              <a:t>Unpack malware have two routines</a:t>
+            </a:r>
+          </a:p>
+          <a:p>
+            <a:pPr lvl="1"/>
+            <a:r>
+              <a:rPr lang="en-US" dirty="0"/>
+              <a:t>1</a:t>
+            </a:r>
+            <a:r>
+              <a:rPr lang="en-US" baseline="30000" dirty="0"/>
+              <a:t>st</a:t>
+            </a:r>
+            <a:r>
+              <a:rPr lang="en-US" dirty="0"/>
+              <a:t> wiper</a:t>
+            </a:r>
+          </a:p>
+          <a:p>
+            <a:pPr lvl="1"/>
+            <a:r>
+              <a:rPr lang="en-US" dirty="0"/>
+              <a:t>2</a:t>
+            </a:r>
+            <a:r>
+              <a:rPr lang="en-US" baseline="30000" dirty="0"/>
+              <a:t>nd</a:t>
+            </a:r>
+            <a:r>
+              <a:rPr lang="en-US" dirty="0"/>
+              <a:t> Backdoor drop</a:t>
+            </a:r>
+          </a:p>
+        </p:txBody>
+      </p:sp>
+    </p:spTree>
+    <p:extLst>
+      <p:ext uri="{BB962C8B-B14F-4D97-AF65-F5344CB8AC3E}">
+        <p14:creationId xmlns:p14="http://schemas.microsoft.com/office/powerpoint/2010/main" val="1817260191"/>
+      </p:ext>
+    </p:extLst>
+  </p:cSld>
+  <p:clrMapOvr>
+    <a:masterClrMapping/>
+  </p:clrMapOvr>
+</p:sld>
+</file>
+
+<file path=ppt/slides/slide9.xml><?xml version="1.0" encoding="utf-8"?>
+<p:sld xmlns:a="http://schemas.openxmlformats.org/drawingml/2006/main" xmlns:r="http://schemas.openxmlformats.org/officeDocument/2006/relationships" xmlns:p="http://schemas.openxmlformats.org/presentationml/2006/main">
+  <p:cSld>
+    <p:spTree>
+      <p:nvGrpSpPr>
+        <p:cNvPr id="1" name=""/>
+        <p:cNvGrpSpPr/>
+        <p:nvPr/>
+      </p:nvGrpSpPr>
+      <p:grpSpPr>
+        <a:xfrm>
+          <a:off x="0" y="0"/>
+          <a:ext cx="0" cy="0"/>
+          <a:chOff x="0" y="0"/>
+          <a:chExt cx="0" cy="0"/>
+        </a:xfrm>
+      </p:grpSpPr>
+      <p:sp>
+        <p:nvSpPr>
+          <p:cNvPr id="2" name="Title 1">
+            <a:extLst>
+              <a:ext uri="{FF2B5EF4-FFF2-40B4-BE49-F238E27FC236}">
+                <a16:creationId xmlns:a16="http://schemas.microsoft.com/office/drawing/2014/main" id="{6856238B-0465-E731-E14B-26E0C53E1B3B}"/>
+              </a:ext>
+            </a:extLst>
+          </p:cNvPr>
+          <p:cNvSpPr>
+            <a:spLocks noGrp="1"/>
+          </p:cNvSpPr>
+          <p:nvPr>
+            <p:ph type="title"/>
+          </p:nvPr>
+        </p:nvSpPr>
+        <p:spPr/>
+        <p:txBody>
+          <a:bodyPr/>
+          <a:lstStyle/>
+          <a:p>
+            <a:r>
+              <a:rPr lang="en-US" dirty="0"/>
+              <a:t>Decrypt Shell code</a:t>
+            </a:r>
+            <a:endParaRPr lang="en-IN" dirty="0"/>
+          </a:p>
+        </p:txBody>
+      </p:sp>
+      <p:pic>
+        <p:nvPicPr>
+          <p:cNvPr id="5" name="Content Placeholder 4">
+            <a:extLst>
+              <a:ext uri="{FF2B5EF4-FFF2-40B4-BE49-F238E27FC236}">
+                <a16:creationId xmlns:a16="http://schemas.microsoft.com/office/drawing/2014/main" id="{30490627-2BF7-D4E8-285A-F99701DAAA90}"/>
+              </a:ext>
+            </a:extLst>
+          </p:cNvPr>
+          <p:cNvPicPr>
+            <a:picLocks noGrp="1" noChangeAspect="1"/>
+          </p:cNvPicPr>
+          <p:nvPr>
+            <p:ph idx="1"/>
+          </p:nvPr>
+        </p:nvPicPr>
+        <p:blipFill>
+          <a:blip r:embed="rId2"/>
+          <a:stretch>
+            <a:fillRect/>
+          </a:stretch>
+        </p:blipFill>
+        <p:spPr>
+          <a:xfrm>
+            <a:off x="1371600" y="281081"/>
+            <a:ext cx="7487341" cy="5895882"/>
+          </a:xfrm>
+        </p:spPr>
+      </p:pic>
+    </p:spTree>
+    <p:extLst>
+      <p:ext uri="{BB962C8B-B14F-4D97-AF65-F5344CB8AC3E}">
+        <p14:creationId xmlns:p14="http://schemas.microsoft.com/office/powerpoint/2010/main" val="366528018"/>
       </p:ext>
     </p:extLst>
   </p:cSld>
